--- a/docs/Progress_Report_1_HKR.pptx
+++ b/docs/Progress_Report_1_HKR.pptx
@@ -6,11 +6,10 @@
   </p:sldMasterIdLst>
   <p:sldIdLst>
     <p:sldId id="256" r:id="rId2"/>
-    <p:sldId id="260" r:id="rId3"/>
-    <p:sldId id="261" r:id="rId4"/>
-    <p:sldId id="257" r:id="rId5"/>
-    <p:sldId id="258" r:id="rId6"/>
-    <p:sldId id="259" r:id="rId7"/>
+    <p:sldId id="257" r:id="rId3"/>
+    <p:sldId id="258" r:id="rId4"/>
+    <p:sldId id="259" r:id="rId5"/>
+    <p:sldId id="262" r:id="rId6"/>
   </p:sldIdLst>
   <p:sldSz cx="12192000" cy="6858000"/>
   <p:notesSz cx="6858000" cy="9144000"/>
@@ -264,7 +263,7 @@
           <a:p>
             <a:fld id="{FAB9AC3B-D499-4673-BFD5-DB146E33E972}" type="datetimeFigureOut">
               <a:rPr lang="en-US" smtClean="0"/>
-              <a:t>2/4/2025</a:t>
+              <a:t>2/8/2025</a:t>
             </a:fld>
             <a:endParaRPr lang="en-US"/>
           </a:p>
@@ -462,7 +461,7 @@
           <a:p>
             <a:fld id="{FAB9AC3B-D499-4673-BFD5-DB146E33E972}" type="datetimeFigureOut">
               <a:rPr lang="en-US" smtClean="0"/>
-              <a:t>2/4/2025</a:t>
+              <a:t>2/8/2025</a:t>
             </a:fld>
             <a:endParaRPr lang="en-US"/>
           </a:p>
@@ -670,7 +669,7 @@
           <a:p>
             <a:fld id="{FAB9AC3B-D499-4673-BFD5-DB146E33E972}" type="datetimeFigureOut">
               <a:rPr lang="en-US" smtClean="0"/>
-              <a:t>2/4/2025</a:t>
+              <a:t>2/8/2025</a:t>
             </a:fld>
             <a:endParaRPr lang="en-US"/>
           </a:p>
@@ -868,7 +867,7 @@
           <a:p>
             <a:fld id="{FAB9AC3B-D499-4673-BFD5-DB146E33E972}" type="datetimeFigureOut">
               <a:rPr lang="en-US" smtClean="0"/>
-              <a:t>2/4/2025</a:t>
+              <a:t>2/8/2025</a:t>
             </a:fld>
             <a:endParaRPr lang="en-US"/>
           </a:p>
@@ -1143,7 +1142,7 @@
           <a:p>
             <a:fld id="{FAB9AC3B-D499-4673-BFD5-DB146E33E972}" type="datetimeFigureOut">
               <a:rPr lang="en-US" smtClean="0"/>
-              <a:t>2/4/2025</a:t>
+              <a:t>2/8/2025</a:t>
             </a:fld>
             <a:endParaRPr lang="en-US"/>
           </a:p>
@@ -1408,7 +1407,7 @@
           <a:p>
             <a:fld id="{FAB9AC3B-D499-4673-BFD5-DB146E33E972}" type="datetimeFigureOut">
               <a:rPr lang="en-US" smtClean="0"/>
-              <a:t>2/4/2025</a:t>
+              <a:t>2/8/2025</a:t>
             </a:fld>
             <a:endParaRPr lang="en-US"/>
           </a:p>
@@ -1820,7 +1819,7 @@
           <a:p>
             <a:fld id="{FAB9AC3B-D499-4673-BFD5-DB146E33E972}" type="datetimeFigureOut">
               <a:rPr lang="en-US" smtClean="0"/>
-              <a:t>2/4/2025</a:t>
+              <a:t>2/8/2025</a:t>
             </a:fld>
             <a:endParaRPr lang="en-US"/>
           </a:p>
@@ -1961,7 +1960,7 @@
           <a:p>
             <a:fld id="{FAB9AC3B-D499-4673-BFD5-DB146E33E972}" type="datetimeFigureOut">
               <a:rPr lang="en-US" smtClean="0"/>
-              <a:t>2/4/2025</a:t>
+              <a:t>2/8/2025</a:t>
             </a:fld>
             <a:endParaRPr lang="en-US"/>
           </a:p>
@@ -2074,7 +2073,7 @@
           <a:p>
             <a:fld id="{FAB9AC3B-D499-4673-BFD5-DB146E33E972}" type="datetimeFigureOut">
               <a:rPr lang="en-US" smtClean="0"/>
-              <a:t>2/4/2025</a:t>
+              <a:t>2/8/2025</a:t>
             </a:fld>
             <a:endParaRPr lang="en-US"/>
           </a:p>
@@ -2385,7 +2384,7 @@
           <a:p>
             <a:fld id="{FAB9AC3B-D499-4673-BFD5-DB146E33E972}" type="datetimeFigureOut">
               <a:rPr lang="en-US" smtClean="0"/>
-              <a:t>2/4/2025</a:t>
+              <a:t>2/8/2025</a:t>
             </a:fld>
             <a:endParaRPr lang="en-US"/>
           </a:p>
@@ -2673,7 +2672,7 @@
           <a:p>
             <a:fld id="{FAB9AC3B-D499-4673-BFD5-DB146E33E972}" type="datetimeFigureOut">
               <a:rPr lang="en-US" smtClean="0"/>
-              <a:t>2/4/2025</a:t>
+              <a:t>2/8/2025</a:t>
             </a:fld>
             <a:endParaRPr lang="en-US"/>
           </a:p>
@@ -2914,7 +2913,7 @@
           <a:p>
             <a:fld id="{FAB9AC3B-D499-4673-BFD5-DB146E33E972}" type="datetimeFigureOut">
               <a:rPr lang="en-US" smtClean="0"/>
-              <a:t>2/4/2025</a:t>
+              <a:t>2/8/2025</a:t>
             </a:fld>
             <a:endParaRPr lang="en-US"/>
           </a:p>
@@ -3356,7 +3355,7 @@
           <a:p>
             <a:r>
               <a:rPr lang="en-US" dirty="0"/>
-              <a:t>IRC II: Weeks 1-4 Progress Report</a:t>
+              <a:t>IRC II: Weeks 1-5 Progress Report</a:t>
             </a:r>
           </a:p>
         </p:txBody>
@@ -3430,172 +3429,6 @@
           <p:cNvPr id="2" name="Title 1">
             <a:extLst>
               <a:ext uri="{FF2B5EF4-FFF2-40B4-BE49-F238E27FC236}">
-                <a16:creationId xmlns:a16="http://schemas.microsoft.com/office/drawing/2014/main" id="{0F4821C8-8B48-2A00-6C74-6B8967A7A48D}"/>
-              </a:ext>
-            </a:extLst>
-          </p:cNvPr>
-          <p:cNvSpPr>
-            <a:spLocks noGrp="1"/>
-          </p:cNvSpPr>
-          <p:nvPr>
-            <p:ph type="title"/>
-          </p:nvPr>
-        </p:nvSpPr>
-        <p:spPr/>
-        <p:txBody>
-          <a:bodyPr/>
-          <a:lstStyle/>
-          <a:p>
-            <a:r>
-              <a:rPr lang="en-US" dirty="0"/>
-              <a:t>About The Project</a:t>
-            </a:r>
-          </a:p>
-        </p:txBody>
-      </p:sp>
-      <p:sp>
-        <p:nvSpPr>
-          <p:cNvPr id="3" name="Content Placeholder 2">
-            <a:extLst>
-              <a:ext uri="{FF2B5EF4-FFF2-40B4-BE49-F238E27FC236}">
-                <a16:creationId xmlns:a16="http://schemas.microsoft.com/office/drawing/2014/main" id="{C9ED8778-792B-EEA1-C2A9-41909BFF9A11}"/>
-              </a:ext>
-            </a:extLst>
-          </p:cNvPr>
-          <p:cNvSpPr>
-            <a:spLocks noGrp="1"/>
-          </p:cNvSpPr>
-          <p:nvPr>
-            <p:ph idx="1"/>
-          </p:nvPr>
-        </p:nvSpPr>
-        <p:spPr/>
-        <p:txBody>
-          <a:bodyPr/>
-          <a:lstStyle/>
-          <a:p>
-            <a:endParaRPr lang="en-US" dirty="0"/>
-          </a:p>
-        </p:txBody>
-      </p:sp>
-    </p:spTree>
-    <p:extLst>
-      <p:ext uri="{BB962C8B-B14F-4D97-AF65-F5344CB8AC3E}">
-        <p14:creationId xmlns:p14="http://schemas.microsoft.com/office/powerpoint/2010/main" val="2816033630"/>
-      </p:ext>
-    </p:extLst>
-  </p:cSld>
-  <p:clrMapOvr>
-    <a:masterClrMapping/>
-  </p:clrMapOvr>
-</p:sld>
-</file>
-
-<file path=ppt/slides/slide3.xml><?xml version="1.0" encoding="utf-8"?>
-<p:sld xmlns:a="http://schemas.openxmlformats.org/drawingml/2006/main" xmlns:r="http://schemas.openxmlformats.org/officeDocument/2006/relationships" xmlns:p="http://schemas.openxmlformats.org/presentationml/2006/main">
-  <p:cSld>
-    <p:spTree>
-      <p:nvGrpSpPr>
-        <p:cNvPr id="1" name=""/>
-        <p:cNvGrpSpPr/>
-        <p:nvPr/>
-      </p:nvGrpSpPr>
-      <p:grpSpPr>
-        <a:xfrm>
-          <a:off x="0" y="0"/>
-          <a:ext cx="0" cy="0"/>
-          <a:chOff x="0" y="0"/>
-          <a:chExt cx="0" cy="0"/>
-        </a:xfrm>
-      </p:grpSpPr>
-      <p:sp>
-        <p:nvSpPr>
-          <p:cNvPr id="2" name="Title 1">
-            <a:extLst>
-              <a:ext uri="{FF2B5EF4-FFF2-40B4-BE49-F238E27FC236}">
-                <a16:creationId xmlns:a16="http://schemas.microsoft.com/office/drawing/2014/main" id="{5713DD24-2DEA-24B5-ED71-EC6060711E97}"/>
-              </a:ext>
-            </a:extLst>
-          </p:cNvPr>
-          <p:cNvSpPr>
-            <a:spLocks noGrp="1"/>
-          </p:cNvSpPr>
-          <p:nvPr>
-            <p:ph type="title"/>
-          </p:nvPr>
-        </p:nvSpPr>
-        <p:spPr/>
-        <p:txBody>
-          <a:bodyPr/>
-          <a:lstStyle/>
-          <a:p>
-            <a:r>
-              <a:rPr lang="en-US" dirty="0"/>
-              <a:t>Research</a:t>
-            </a:r>
-          </a:p>
-        </p:txBody>
-      </p:sp>
-      <p:sp>
-        <p:nvSpPr>
-          <p:cNvPr id="3" name="Content Placeholder 2">
-            <a:extLst>
-              <a:ext uri="{FF2B5EF4-FFF2-40B4-BE49-F238E27FC236}">
-                <a16:creationId xmlns:a16="http://schemas.microsoft.com/office/drawing/2014/main" id="{6A9DB9D9-E76A-BD3C-9FEC-4D15C60E31FC}"/>
-              </a:ext>
-            </a:extLst>
-          </p:cNvPr>
-          <p:cNvSpPr>
-            <a:spLocks noGrp="1"/>
-          </p:cNvSpPr>
-          <p:nvPr>
-            <p:ph idx="1"/>
-          </p:nvPr>
-        </p:nvSpPr>
-        <p:spPr/>
-        <p:txBody>
-          <a:bodyPr/>
-          <a:lstStyle/>
-          <a:p>
-            <a:endParaRPr lang="en-US"/>
-          </a:p>
-        </p:txBody>
-      </p:sp>
-    </p:spTree>
-    <p:extLst>
-      <p:ext uri="{BB962C8B-B14F-4D97-AF65-F5344CB8AC3E}">
-        <p14:creationId xmlns:p14="http://schemas.microsoft.com/office/powerpoint/2010/main" val="92056855"/>
-      </p:ext>
-    </p:extLst>
-  </p:cSld>
-  <p:clrMapOvr>
-    <a:masterClrMapping/>
-  </p:clrMapOvr>
-</p:sld>
-</file>
-
-<file path=ppt/slides/slide4.xml><?xml version="1.0" encoding="utf-8"?>
-<p:sld xmlns:a="http://schemas.openxmlformats.org/drawingml/2006/main" xmlns:r="http://schemas.openxmlformats.org/officeDocument/2006/relationships" xmlns:p="http://schemas.openxmlformats.org/presentationml/2006/main">
-  <p:cSld>
-    <p:spTree>
-      <p:nvGrpSpPr>
-        <p:cNvPr id="1" name=""/>
-        <p:cNvGrpSpPr/>
-        <p:nvPr/>
-      </p:nvGrpSpPr>
-      <p:grpSpPr>
-        <a:xfrm>
-          <a:off x="0" y="0"/>
-          <a:ext cx="0" cy="0"/>
-          <a:chOff x="0" y="0"/>
-          <a:chExt cx="0" cy="0"/>
-        </a:xfrm>
-      </p:grpSpPr>
-      <p:sp>
-        <p:nvSpPr>
-          <p:cNvPr id="2" name="Title 1">
-            <a:extLst>
-              <a:ext uri="{FF2B5EF4-FFF2-40B4-BE49-F238E27FC236}">
                 <a16:creationId xmlns:a16="http://schemas.microsoft.com/office/drawing/2014/main" id="{B9096155-CE4F-7FA2-5489-136F3302D9B9}"/>
               </a:ext>
             </a:extLst>
@@ -3642,7 +3475,15 @@
           <a:p>
             <a:r>
               <a:rPr lang="en-US" dirty="0"/>
-              <a:t>I first created a project directory on my laptop and backed it up to a GitHub repository at: </a:t>
+              <a:t>I first created a </a:t>
+            </a:r>
+            <a:r>
+              <a:rPr lang="en-US"/>
+              <a:t>project folder </a:t>
+            </a:r>
+            <a:r>
+              <a:rPr lang="en-US" dirty="0"/>
+              <a:t>on my laptop and backed it up to a GitHub repository at: </a:t>
             </a:r>
           </a:p>
           <a:p>
@@ -3678,7 +3519,7 @@
 </p:sld>
 </file>
 
-<file path=ppt/slides/slide5.xml><?xml version="1.0" encoding="utf-8"?>
+<file path=ppt/slides/slide3.xml><?xml version="1.0" encoding="utf-8"?>
 <p:sld xmlns:a="http://schemas.openxmlformats.org/drawingml/2006/main" xmlns:r="http://schemas.openxmlformats.org/officeDocument/2006/relationships" xmlns:p="http://schemas.openxmlformats.org/presentationml/2006/main">
   <p:cSld>
     <p:spTree>
@@ -3889,7 +3730,7 @@
 </p:sld>
 </file>
 
-<file path=ppt/slides/slide6.xml><?xml version="1.0" encoding="utf-8"?>
+<file path=ppt/slides/slide4.xml><?xml version="1.0" encoding="utf-8"?>
 <p:sld xmlns:a="http://schemas.openxmlformats.org/drawingml/2006/main" xmlns:r="http://schemas.openxmlformats.org/officeDocument/2006/relationships" xmlns:p="http://schemas.openxmlformats.org/presentationml/2006/main">
   <p:cSld>
     <p:spTree>
@@ -3927,7 +3768,10 @@
           <a:bodyPr/>
           <a:lstStyle/>
           <a:p>
-            <a:endParaRPr lang="en-US"/>
+            <a:r>
+              <a:rPr lang="en-US" dirty="0"/>
+              <a:t>Downloading a Dataset</a:t>
+            </a:r>
           </a:p>
         </p:txBody>
       </p:sp>
@@ -3952,14 +3796,171 @@
           <a:bodyPr/>
           <a:lstStyle/>
           <a:p>
-            <a:endParaRPr lang="en-US"/>
-          </a:p>
-        </p:txBody>
-      </p:sp>
+            <a:r>
+              <a:rPr lang="en-US" dirty="0"/>
+              <a:t>I created a Python script that uses the </a:t>
+            </a:r>
+            <a:r>
+              <a:rPr lang="en-US" dirty="0" err="1"/>
+              <a:t>arXiv</a:t>
+            </a:r>
+            <a:r>
+              <a:rPr lang="en-US" dirty="0"/>
+              <a:t> API to fetch 1000 machine learning-related research papers</a:t>
+            </a:r>
+          </a:p>
+          <a:p>
+            <a:r>
+              <a:rPr lang="en-US" dirty="0"/>
+              <a:t>I then randomly downloaded 500 PDFs based on relevance and availability</a:t>
+            </a:r>
+          </a:p>
+        </p:txBody>
+      </p:sp>
+      <p:pic>
+        <p:nvPicPr>
+          <p:cNvPr id="7" name="Picture 6">
+            <a:extLst>
+              <a:ext uri="{FF2B5EF4-FFF2-40B4-BE49-F238E27FC236}">
+                <a16:creationId xmlns:a16="http://schemas.microsoft.com/office/drawing/2014/main" id="{F2F7F951-4830-DAA8-A096-B7B699B4D775}"/>
+              </a:ext>
+            </a:extLst>
+          </p:cNvPr>
+          <p:cNvPicPr>
+            <a:picLocks noChangeAspect="1"/>
+          </p:cNvPicPr>
+          <p:nvPr/>
+        </p:nvPicPr>
+        <p:blipFill>
+          <a:blip r:embed="rId2"/>
+          <a:stretch>
+            <a:fillRect/>
+          </a:stretch>
+        </p:blipFill>
+        <p:spPr>
+          <a:xfrm>
+            <a:off x="1106470" y="5001608"/>
+            <a:ext cx="9979071" cy="483338"/>
+          </a:xfrm>
+          <a:prstGeom prst="rect">
+            <a:avLst/>
+          </a:prstGeom>
+        </p:spPr>
+      </p:pic>
+      <p:pic>
+        <p:nvPicPr>
+          <p:cNvPr id="9" name="Picture 8">
+            <a:extLst>
+              <a:ext uri="{FF2B5EF4-FFF2-40B4-BE49-F238E27FC236}">
+                <a16:creationId xmlns:a16="http://schemas.microsoft.com/office/drawing/2014/main" id="{044B7FA1-102B-2BAA-8CC0-0FF7E666AE45}"/>
+              </a:ext>
+            </a:extLst>
+          </p:cNvPr>
+          <p:cNvPicPr>
+            <a:picLocks noChangeAspect="1"/>
+          </p:cNvPicPr>
+          <p:nvPr/>
+        </p:nvPicPr>
+        <p:blipFill>
+          <a:blip r:embed="rId3"/>
+          <a:stretch>
+            <a:fillRect/>
+          </a:stretch>
+        </p:blipFill>
+        <p:spPr>
+          <a:xfrm>
+            <a:off x="1106469" y="4523142"/>
+            <a:ext cx="9979061" cy="361559"/>
+          </a:xfrm>
+          <a:prstGeom prst="rect">
+            <a:avLst/>
+          </a:prstGeom>
+        </p:spPr>
+      </p:pic>
     </p:spTree>
     <p:extLst>
       <p:ext uri="{BB962C8B-B14F-4D97-AF65-F5344CB8AC3E}">
         <p14:creationId xmlns:p14="http://schemas.microsoft.com/office/powerpoint/2010/main" val="1943719156"/>
+      </p:ext>
+    </p:extLst>
+  </p:cSld>
+  <p:clrMapOvr>
+    <a:masterClrMapping/>
+  </p:clrMapOvr>
+</p:sld>
+</file>
+
+<file path=ppt/slides/slide5.xml><?xml version="1.0" encoding="utf-8"?>
+<p:sld xmlns:a="http://schemas.openxmlformats.org/drawingml/2006/main" xmlns:r="http://schemas.openxmlformats.org/officeDocument/2006/relationships" xmlns:p="http://schemas.openxmlformats.org/presentationml/2006/main">
+  <p:cSld>
+    <p:spTree>
+      <p:nvGrpSpPr>
+        <p:cNvPr id="1" name=""/>
+        <p:cNvGrpSpPr/>
+        <p:nvPr/>
+      </p:nvGrpSpPr>
+      <p:grpSpPr>
+        <a:xfrm>
+          <a:off x="0" y="0"/>
+          <a:ext cx="0" cy="0"/>
+          <a:chOff x="0" y="0"/>
+          <a:chExt cx="0" cy="0"/>
+        </a:xfrm>
+      </p:grpSpPr>
+      <p:sp>
+        <p:nvSpPr>
+          <p:cNvPr id="2" name="Title 1">
+            <a:extLst>
+              <a:ext uri="{FF2B5EF4-FFF2-40B4-BE49-F238E27FC236}">
+                <a16:creationId xmlns:a16="http://schemas.microsoft.com/office/drawing/2014/main" id="{4F38FD91-23F5-E1B4-C139-4CF55EFD539E}"/>
+              </a:ext>
+            </a:extLst>
+          </p:cNvPr>
+          <p:cNvSpPr>
+            <a:spLocks noGrp="1"/>
+          </p:cNvSpPr>
+          <p:nvPr>
+            <p:ph type="title"/>
+          </p:nvPr>
+        </p:nvSpPr>
+        <p:spPr/>
+        <p:txBody>
+          <a:bodyPr/>
+          <a:lstStyle/>
+          <a:p>
+            <a:endParaRPr lang="en-US"/>
+          </a:p>
+        </p:txBody>
+      </p:sp>
+      <p:sp>
+        <p:nvSpPr>
+          <p:cNvPr id="3" name="Content Placeholder 2">
+            <a:extLst>
+              <a:ext uri="{FF2B5EF4-FFF2-40B4-BE49-F238E27FC236}">
+                <a16:creationId xmlns:a16="http://schemas.microsoft.com/office/drawing/2014/main" id="{3BDE80B7-B16A-75D1-E8E7-4EB0F0FB7EA9}"/>
+              </a:ext>
+            </a:extLst>
+          </p:cNvPr>
+          <p:cNvSpPr>
+            <a:spLocks noGrp="1"/>
+          </p:cNvSpPr>
+          <p:nvPr>
+            <p:ph idx="1"/>
+          </p:nvPr>
+        </p:nvSpPr>
+        <p:spPr/>
+        <p:txBody>
+          <a:bodyPr/>
+          <a:lstStyle/>
+          <a:p>
+            <a:endParaRPr lang="en-US"/>
+          </a:p>
+        </p:txBody>
+      </p:sp>
+    </p:spTree>
+    <p:extLst>
+      <p:ext uri="{BB962C8B-B14F-4D97-AF65-F5344CB8AC3E}">
+        <p14:creationId xmlns:p14="http://schemas.microsoft.com/office/powerpoint/2010/main" val="578356184"/>
       </p:ext>
     </p:extLst>
   </p:cSld>

--- a/docs/Progress_Report_1_HKR.pptx
+++ b/docs/Progress_Report_1_HKR.pptx
@@ -3475,15 +3475,7 @@
           <a:p>
             <a:r>
               <a:rPr lang="en-US" dirty="0"/>
-              <a:t>I first created a </a:t>
-            </a:r>
-            <a:r>
-              <a:rPr lang="en-US"/>
-              <a:t>project folder </a:t>
-            </a:r>
-            <a:r>
-              <a:rPr lang="en-US" dirty="0"/>
-              <a:t>on my laptop and backed it up to a GitHub repository at: </a:t>
+              <a:t>I first created a project folder on my laptop and backed it up to a GitHub repository at: </a:t>
             </a:r>
           </a:p>
           <a:p>
@@ -3806,7 +3798,7 @@
             </a:r>
             <a:r>
               <a:rPr lang="en-US" dirty="0"/>
-              <a:t> API to fetch 1000 machine learning-related research papers</a:t>
+              <a:t> API to fetch 1000 research papers about Physics, Biology, and Literature</a:t>
             </a:r>
           </a:p>
           <a:p>
@@ -3928,7 +3920,10 @@
           <a:bodyPr/>
           <a:lstStyle/>
           <a:p>
-            <a:endParaRPr lang="en-US"/>
+            <a:r>
+              <a:rPr lang="en-US" dirty="0"/>
+              <a:t>Performing Analysis</a:t>
+            </a:r>
           </a:p>
         </p:txBody>
       </p:sp>
@@ -3953,7 +3948,7 @@
           <a:bodyPr/>
           <a:lstStyle/>
           <a:p>
-            <a:endParaRPr lang="en-US"/>
+            <a:endParaRPr lang="en-US" dirty="0"/>
           </a:p>
         </p:txBody>
       </p:sp>

--- a/docs/Progress_Report_1_HKR.pptx
+++ b/docs/Progress_Report_1_HKR.pptx
@@ -10,6 +10,8 @@
     <p:sldId id="258" r:id="rId4"/>
     <p:sldId id="259" r:id="rId5"/>
     <p:sldId id="262" r:id="rId6"/>
+    <p:sldId id="263" r:id="rId7"/>
+    <p:sldId id="264" r:id="rId8"/>
   </p:sldIdLst>
   <p:sldSz cx="12192000" cy="6858000"/>
   <p:notesSz cx="6858000" cy="9144000"/>
@@ -3355,7 +3357,7 @@
           <a:p>
             <a:r>
               <a:rPr lang="en-US" dirty="0"/>
-              <a:t>IRC II: Weeks 1-5 Progress Report</a:t>
+              <a:t>IRC II: Weeks 1-4 Progress Report</a:t>
             </a:r>
           </a:p>
         </p:txBody>
@@ -3790,7 +3792,7 @@
           <a:p>
             <a:r>
               <a:rPr lang="en-US" dirty="0"/>
-              <a:t>I created a Python script that uses the </a:t>
+              <a:t>I implemented a Python script that uses the </a:t>
             </a:r>
             <a:r>
               <a:rPr lang="en-US" dirty="0" err="1"/>
@@ -3922,7 +3924,7 @@
           <a:p>
             <a:r>
               <a:rPr lang="en-US" dirty="0"/>
-              <a:t>Performing Analysis</a:t>
+              <a:t>Python Logic for Analysis</a:t>
             </a:r>
           </a:p>
         </p:txBody>
@@ -3948,7 +3950,52 @@
           <a:bodyPr/>
           <a:lstStyle/>
           <a:p>
-            <a:endParaRPr lang="en-US" dirty="0"/>
+            <a:r>
+              <a:rPr lang="en-US" dirty="0"/>
+              <a:t>Open the pre-trained </a:t>
+            </a:r>
+            <a:r>
+              <a:rPr lang="en-US" dirty="0" err="1"/>
+              <a:t>SentenceTransformer</a:t>
+            </a:r>
+            <a:r>
+              <a:rPr lang="en-US" dirty="0"/>
+              <a:t> model to encode text into embeddings</a:t>
+            </a:r>
+          </a:p>
+          <a:p>
+            <a:r>
+              <a:rPr lang="en-US" dirty="0"/>
+              <a:t>Use </a:t>
+            </a:r>
+            <a:r>
+              <a:rPr lang="en-US" dirty="0" err="1"/>
+              <a:t>PyMuPDF</a:t>
+            </a:r>
+            <a:r>
+              <a:rPr lang="en-US" dirty="0"/>
+              <a:t> to extract abstracts from research papers in PDF format</a:t>
+            </a:r>
+          </a:p>
+          <a:p>
+            <a:r>
+              <a:rPr lang="en-US" dirty="0"/>
+              <a:t>Convert the extracted text (abstracts) into vector embeddings using the model</a:t>
+            </a:r>
+          </a:p>
+          <a:p>
+            <a:r>
+              <a:rPr lang="en-US" dirty="0"/>
+              <a:t>Apply </a:t>
+            </a:r>
+            <a:r>
+              <a:rPr lang="en-US" dirty="0" err="1"/>
+              <a:t>KMeans</a:t>
+            </a:r>
+            <a:r>
+              <a:rPr lang="en-US" dirty="0"/>
+              <a:t> clustering on embeddings, then reduce dimensions using PCA to visualize the clusters</a:t>
+            </a:r>
           </a:p>
         </p:txBody>
       </p:sp>
@@ -3956,6 +4003,233 @@
     <p:extLst>
       <p:ext uri="{BB962C8B-B14F-4D97-AF65-F5344CB8AC3E}">
         <p14:creationId xmlns:p14="http://schemas.microsoft.com/office/powerpoint/2010/main" val="578356184"/>
+      </p:ext>
+    </p:extLst>
+  </p:cSld>
+  <p:clrMapOvr>
+    <a:masterClrMapping/>
+  </p:clrMapOvr>
+</p:sld>
+</file>
+
+<file path=ppt/slides/slide6.xml><?xml version="1.0" encoding="utf-8"?>
+<p:sld xmlns:a="http://schemas.openxmlformats.org/drawingml/2006/main" xmlns:r="http://schemas.openxmlformats.org/officeDocument/2006/relationships" xmlns:p="http://schemas.openxmlformats.org/presentationml/2006/main">
+  <p:cSld>
+    <p:spTree>
+      <p:nvGrpSpPr>
+        <p:cNvPr id="1" name=""/>
+        <p:cNvGrpSpPr/>
+        <p:nvPr/>
+      </p:nvGrpSpPr>
+      <p:grpSpPr>
+        <a:xfrm>
+          <a:off x="0" y="0"/>
+          <a:ext cx="0" cy="0"/>
+          <a:chOff x="0" y="0"/>
+          <a:chExt cx="0" cy="0"/>
+        </a:xfrm>
+      </p:grpSpPr>
+      <p:sp>
+        <p:nvSpPr>
+          <p:cNvPr id="2" name="Title 1">
+            <a:extLst>
+              <a:ext uri="{FF2B5EF4-FFF2-40B4-BE49-F238E27FC236}">
+                <a16:creationId xmlns:a16="http://schemas.microsoft.com/office/drawing/2014/main" id="{54B26459-85C7-1DA2-3467-40872B7DB17A}"/>
+              </a:ext>
+            </a:extLst>
+          </p:cNvPr>
+          <p:cNvSpPr>
+            <a:spLocks noGrp="1"/>
+          </p:cNvSpPr>
+          <p:nvPr>
+            <p:ph type="title"/>
+          </p:nvPr>
+        </p:nvSpPr>
+        <p:spPr/>
+        <p:txBody>
+          <a:bodyPr/>
+          <a:lstStyle/>
+          <a:p>
+            <a:r>
+              <a:rPr lang="en-US" dirty="0"/>
+              <a:t>Results</a:t>
+            </a:r>
+          </a:p>
+        </p:txBody>
+      </p:sp>
+      <p:pic>
+        <p:nvPicPr>
+          <p:cNvPr id="5" name="Content Placeholder 4" descr="A diagram of a data visualization&#10;&#10;AI-generated content may be incorrect.">
+            <a:extLst>
+              <a:ext uri="{FF2B5EF4-FFF2-40B4-BE49-F238E27FC236}">
+                <a16:creationId xmlns:a16="http://schemas.microsoft.com/office/drawing/2014/main" id="{851A6B2E-E9CA-8B67-92F4-1A65DEDA32AC}"/>
+              </a:ext>
+            </a:extLst>
+          </p:cNvPr>
+          <p:cNvPicPr>
+            <a:picLocks noGrp="1" noChangeAspect="1"/>
+          </p:cNvPicPr>
+          <p:nvPr>
+            <p:ph idx="1"/>
+          </p:nvPr>
+        </p:nvPicPr>
+        <p:blipFill>
+          <a:blip r:embed="rId2">
+            <a:extLst>
+              <a:ext uri="{28A0092B-C50C-407E-A947-70E740481C1C}">
+                <a14:useLocalDpi xmlns:a14="http://schemas.microsoft.com/office/drawing/2010/main" val="0"/>
+              </a:ext>
+            </a:extLst>
+          </a:blip>
+          <a:stretch>
+            <a:fillRect/>
+          </a:stretch>
+        </p:blipFill>
+        <p:spPr>
+          <a:xfrm>
+            <a:off x="5189773" y="1314885"/>
+            <a:ext cx="6639772" cy="4979829"/>
+          </a:xfrm>
+        </p:spPr>
+      </p:pic>
+      <p:pic>
+        <p:nvPicPr>
+          <p:cNvPr id="7" name="Picture 6">
+            <a:extLst>
+              <a:ext uri="{FF2B5EF4-FFF2-40B4-BE49-F238E27FC236}">
+                <a16:creationId xmlns:a16="http://schemas.microsoft.com/office/drawing/2014/main" id="{1F842F15-3B65-55A2-566B-39918A1F64D7}"/>
+              </a:ext>
+            </a:extLst>
+          </p:cNvPr>
+          <p:cNvPicPr>
+            <a:picLocks noChangeAspect="1"/>
+          </p:cNvPicPr>
+          <p:nvPr/>
+        </p:nvPicPr>
+        <p:blipFill>
+          <a:blip r:embed="rId3"/>
+          <a:stretch>
+            <a:fillRect/>
+          </a:stretch>
+        </p:blipFill>
+        <p:spPr>
+          <a:xfrm>
+            <a:off x="1276295" y="2030182"/>
+            <a:ext cx="3425687" cy="3549237"/>
+          </a:xfrm>
+          <a:prstGeom prst="rect">
+            <a:avLst/>
+          </a:prstGeom>
+        </p:spPr>
+      </p:pic>
+    </p:spTree>
+    <p:extLst>
+      <p:ext uri="{BB962C8B-B14F-4D97-AF65-F5344CB8AC3E}">
+        <p14:creationId xmlns:p14="http://schemas.microsoft.com/office/powerpoint/2010/main" val="375240003"/>
+      </p:ext>
+    </p:extLst>
+  </p:cSld>
+  <p:clrMapOvr>
+    <a:masterClrMapping/>
+  </p:clrMapOvr>
+</p:sld>
+</file>
+
+<file path=ppt/slides/slide7.xml><?xml version="1.0" encoding="utf-8"?>
+<p:sld xmlns:a="http://schemas.openxmlformats.org/drawingml/2006/main" xmlns:r="http://schemas.openxmlformats.org/officeDocument/2006/relationships" xmlns:p="http://schemas.openxmlformats.org/presentationml/2006/main">
+  <p:cSld>
+    <p:spTree>
+      <p:nvGrpSpPr>
+        <p:cNvPr id="1" name=""/>
+        <p:cNvGrpSpPr/>
+        <p:nvPr/>
+      </p:nvGrpSpPr>
+      <p:grpSpPr>
+        <a:xfrm>
+          <a:off x="0" y="0"/>
+          <a:ext cx="0" cy="0"/>
+          <a:chOff x="0" y="0"/>
+          <a:chExt cx="0" cy="0"/>
+        </a:xfrm>
+      </p:grpSpPr>
+      <p:sp>
+        <p:nvSpPr>
+          <p:cNvPr id="2" name="Title 1">
+            <a:extLst>
+              <a:ext uri="{FF2B5EF4-FFF2-40B4-BE49-F238E27FC236}">
+                <a16:creationId xmlns:a16="http://schemas.microsoft.com/office/drawing/2014/main" id="{B53AB404-AEFC-01CA-EFE0-96CCC8ED021A}"/>
+              </a:ext>
+            </a:extLst>
+          </p:cNvPr>
+          <p:cNvSpPr>
+            <a:spLocks noGrp="1"/>
+          </p:cNvSpPr>
+          <p:nvPr>
+            <p:ph type="title"/>
+          </p:nvPr>
+        </p:nvSpPr>
+        <p:spPr/>
+        <p:txBody>
+          <a:bodyPr/>
+          <a:lstStyle/>
+          <a:p>
+            <a:r>
+              <a:rPr lang="en-US" dirty="0"/>
+              <a:t>Moving Forward</a:t>
+            </a:r>
+          </a:p>
+        </p:txBody>
+      </p:sp>
+      <p:sp>
+        <p:nvSpPr>
+          <p:cNvPr id="3" name="Content Placeholder 2">
+            <a:extLst>
+              <a:ext uri="{FF2B5EF4-FFF2-40B4-BE49-F238E27FC236}">
+                <a16:creationId xmlns:a16="http://schemas.microsoft.com/office/drawing/2014/main" id="{3A55F998-9802-00B7-6ADC-02C380DB5F31}"/>
+              </a:ext>
+            </a:extLst>
+          </p:cNvPr>
+          <p:cNvSpPr>
+            <a:spLocks noGrp="1"/>
+          </p:cNvSpPr>
+          <p:nvPr>
+            <p:ph idx="1"/>
+          </p:nvPr>
+        </p:nvSpPr>
+        <p:spPr/>
+        <p:txBody>
+          <a:bodyPr/>
+          <a:lstStyle/>
+          <a:p>
+            <a:r>
+              <a:rPr lang="en-US" dirty="0"/>
+              <a:t>Research more on text embeddings, clustering algorithms, and machine learning models</a:t>
+            </a:r>
+          </a:p>
+          <a:p>
+            <a:r>
+              <a:rPr lang="en-US" dirty="0"/>
+              <a:t>Document and break down each part of the existing code to improve understanding</a:t>
+            </a:r>
+          </a:p>
+          <a:p>
+            <a:r>
+              <a:rPr lang="en-US" dirty="0"/>
+              <a:t>Implement a simple and user-friendly GUI for easier interaction with the tool</a:t>
+            </a:r>
+          </a:p>
+          <a:p>
+            <a:r>
+              <a:rPr lang="en-US" dirty="0"/>
+              <a:t>Run tests on the tool and begin composing the final report</a:t>
+            </a:r>
+          </a:p>
+        </p:txBody>
+      </p:sp>
+    </p:spTree>
+    <p:extLst>
+      <p:ext uri="{BB962C8B-B14F-4D97-AF65-F5344CB8AC3E}">
+        <p14:creationId xmlns:p14="http://schemas.microsoft.com/office/powerpoint/2010/main" val="2626497175"/>
       </p:ext>
     </p:extLst>
   </p:cSld>

--- a/docs/Progress_Report_1_HKR.pptx
+++ b/docs/Progress_Report_1_HKR.pptx
@@ -4221,8 +4221,19 @@
           <a:p>
             <a:r>
               <a:rPr lang="en-US" dirty="0"/>
-              <a:t>Run tests on the tool and begin composing the final report</a:t>
-            </a:r>
+              <a:t>Run tests on the tool and try to improve it</a:t>
+            </a:r>
+          </a:p>
+          <a:p>
+            <a:r>
+              <a:rPr lang="en-US" dirty="0"/>
+              <a:t>Begin composing the final </a:t>
+            </a:r>
+            <a:r>
+              <a:rPr lang="en-US"/>
+              <a:t>research document</a:t>
+            </a:r>
+            <a:endParaRPr lang="en-US" dirty="0"/>
           </a:p>
         </p:txBody>
       </p:sp>

--- a/docs/Progress_Report_1_HKR.pptx
+++ b/docs/Progress_Report_1_HKR.pptx
@@ -265,7 +265,7 @@
           <a:p>
             <a:fld id="{FAB9AC3B-D499-4673-BFD5-DB146E33E972}" type="datetimeFigureOut">
               <a:rPr lang="en-US" smtClean="0"/>
-              <a:t>2/8/2025</a:t>
+              <a:t>2/10/2025</a:t>
             </a:fld>
             <a:endParaRPr lang="en-US"/>
           </a:p>
@@ -463,7 +463,7 @@
           <a:p>
             <a:fld id="{FAB9AC3B-D499-4673-BFD5-DB146E33E972}" type="datetimeFigureOut">
               <a:rPr lang="en-US" smtClean="0"/>
-              <a:t>2/8/2025</a:t>
+              <a:t>2/10/2025</a:t>
             </a:fld>
             <a:endParaRPr lang="en-US"/>
           </a:p>
@@ -671,7 +671,7 @@
           <a:p>
             <a:fld id="{FAB9AC3B-D499-4673-BFD5-DB146E33E972}" type="datetimeFigureOut">
               <a:rPr lang="en-US" smtClean="0"/>
-              <a:t>2/8/2025</a:t>
+              <a:t>2/10/2025</a:t>
             </a:fld>
             <a:endParaRPr lang="en-US"/>
           </a:p>
@@ -869,7 +869,7 @@
           <a:p>
             <a:fld id="{FAB9AC3B-D499-4673-BFD5-DB146E33E972}" type="datetimeFigureOut">
               <a:rPr lang="en-US" smtClean="0"/>
-              <a:t>2/8/2025</a:t>
+              <a:t>2/10/2025</a:t>
             </a:fld>
             <a:endParaRPr lang="en-US"/>
           </a:p>
@@ -1144,7 +1144,7 @@
           <a:p>
             <a:fld id="{FAB9AC3B-D499-4673-BFD5-DB146E33E972}" type="datetimeFigureOut">
               <a:rPr lang="en-US" smtClean="0"/>
-              <a:t>2/8/2025</a:t>
+              <a:t>2/10/2025</a:t>
             </a:fld>
             <a:endParaRPr lang="en-US"/>
           </a:p>
@@ -1409,7 +1409,7 @@
           <a:p>
             <a:fld id="{FAB9AC3B-D499-4673-BFD5-DB146E33E972}" type="datetimeFigureOut">
               <a:rPr lang="en-US" smtClean="0"/>
-              <a:t>2/8/2025</a:t>
+              <a:t>2/10/2025</a:t>
             </a:fld>
             <a:endParaRPr lang="en-US"/>
           </a:p>
@@ -1821,7 +1821,7 @@
           <a:p>
             <a:fld id="{FAB9AC3B-D499-4673-BFD5-DB146E33E972}" type="datetimeFigureOut">
               <a:rPr lang="en-US" smtClean="0"/>
-              <a:t>2/8/2025</a:t>
+              <a:t>2/10/2025</a:t>
             </a:fld>
             <a:endParaRPr lang="en-US"/>
           </a:p>
@@ -1962,7 +1962,7 @@
           <a:p>
             <a:fld id="{FAB9AC3B-D499-4673-BFD5-DB146E33E972}" type="datetimeFigureOut">
               <a:rPr lang="en-US" smtClean="0"/>
-              <a:t>2/8/2025</a:t>
+              <a:t>2/10/2025</a:t>
             </a:fld>
             <a:endParaRPr lang="en-US"/>
           </a:p>
@@ -2075,7 +2075,7 @@
           <a:p>
             <a:fld id="{FAB9AC3B-D499-4673-BFD5-DB146E33E972}" type="datetimeFigureOut">
               <a:rPr lang="en-US" smtClean="0"/>
-              <a:t>2/8/2025</a:t>
+              <a:t>2/10/2025</a:t>
             </a:fld>
             <a:endParaRPr lang="en-US"/>
           </a:p>
@@ -2386,7 +2386,7 @@
           <a:p>
             <a:fld id="{FAB9AC3B-D499-4673-BFD5-DB146E33E972}" type="datetimeFigureOut">
               <a:rPr lang="en-US" smtClean="0"/>
-              <a:t>2/8/2025</a:t>
+              <a:t>2/10/2025</a:t>
             </a:fld>
             <a:endParaRPr lang="en-US"/>
           </a:p>
@@ -2674,7 +2674,7 @@
           <a:p>
             <a:fld id="{FAB9AC3B-D499-4673-BFD5-DB146E33E972}" type="datetimeFigureOut">
               <a:rPr lang="en-US" smtClean="0"/>
-              <a:t>2/8/2025</a:t>
+              <a:t>2/10/2025</a:t>
             </a:fld>
             <a:endParaRPr lang="en-US"/>
           </a:p>
@@ -2915,7 +2915,7 @@
           <a:p>
             <a:fld id="{FAB9AC3B-D499-4673-BFD5-DB146E33E972}" type="datetimeFigureOut">
               <a:rPr lang="en-US" smtClean="0"/>
-              <a:t>2/8/2025</a:t>
+              <a:t>2/10/2025</a:t>
             </a:fld>
             <a:endParaRPr lang="en-US"/>
           </a:p>
@@ -3605,7 +3605,7 @@
               <a:rPr lang="en-US" dirty="0">
                 <a:latin typeface="-apple-system"/>
               </a:rPr>
-              <a:t>Extract data from PDFs</a:t>
+              <a:t>extract data from PDFs</a:t>
             </a:r>
             <a:endParaRPr lang="en-US" dirty="0"/>
           </a:p>
@@ -3616,7 +3616,7 @@
             </a:r>
             <a:r>
               <a:rPr lang="en-US" dirty="0"/>
-              <a:t> - Capture the semantics of sentences</a:t>
+              <a:t> - capture the semantics of sentences</a:t>
             </a:r>
           </a:p>
           <a:p>
@@ -3626,7 +3626,7 @@
             </a:r>
             <a:r>
               <a:rPr lang="en-US" dirty="0"/>
-              <a:t> - All-purpose machine learning</a:t>
+              <a:t> - all-purpose machine learning</a:t>
             </a:r>
           </a:p>
           <a:p>
@@ -3636,7 +3636,7 @@
             </a:r>
             <a:r>
               <a:rPr lang="en-US" dirty="0"/>
-              <a:t> - Data analysis</a:t>
+              <a:t> - data analysis</a:t>
             </a:r>
           </a:p>
           <a:p>
@@ -3646,7 +3646,7 @@
             </a:r>
             <a:r>
               <a:rPr lang="en-US" dirty="0"/>
-              <a:t> - Data visualization</a:t>
+              <a:t> - data visualization</a:t>
             </a:r>
           </a:p>
         </p:txBody>
@@ -3952,7 +3952,7 @@
           <a:p>
             <a:r>
               <a:rPr lang="en-US" dirty="0"/>
-              <a:t>Open the pre-trained </a:t>
+              <a:t>Open a lightweight pre-trained </a:t>
             </a:r>
             <a:r>
               <a:rPr lang="en-US" dirty="0" err="1"/>
@@ -3960,7 +3960,7 @@
             </a:r>
             <a:r>
               <a:rPr lang="en-US" dirty="0"/>
-              <a:t> model to encode text into embeddings</a:t>
+              <a:t> (`all-MiniLM-L6-v2’) model to encode text into embeddings</a:t>
             </a:r>
           </a:p>
           <a:p>
@@ -4221,19 +4221,14 @@
           <a:p>
             <a:r>
               <a:rPr lang="en-US" dirty="0"/>
-              <a:t>Run tests on the tool and try to improve it</a:t>
+              <a:t>Run more analyses on the tool and try to improve it</a:t>
             </a:r>
           </a:p>
           <a:p>
             <a:r>
               <a:rPr lang="en-US" dirty="0"/>
-              <a:t>Begin composing the final </a:t>
-            </a:r>
-            <a:r>
-              <a:rPr lang="en-US"/>
-              <a:t>research document</a:t>
-            </a:r>
-            <a:endParaRPr lang="en-US" dirty="0"/>
+              <a:t>Begin composing the final research document</a:t>
+            </a:r>
           </a:p>
         </p:txBody>
       </p:sp>
